--- a/JUDO.pptx
+++ b/JUDO.pptx
@@ -358,7 +358,7 @@
           <a:p>
             <a:fld id="{79DFD877-08A2-C142-93F5-276137C666CA}" type="datetimeFigureOut">
               <a:rPr lang="en-IL" smtClean="0"/>
-              <a:t>12/05/2022</a:t>
+              <a:t>13/05/2022</a:t>
             </a:fld>
             <a:endParaRPr lang="en-IL"/>
           </a:p>
@@ -20433,7 +20433,7 @@
               </p:nextCondLst>
             </p:seq>
             <p:video>
-              <p:cMediaNode>
+              <p:cMediaNode vol="9091">
                 <p:cTn id="21" fill="hold" display="0">
                   <p:stCondLst>
                     <p:cond delay="indefinite"/>
